--- a/presentations/03_05_JohannesSascha_Smoking.pptx
+++ b/presentations/03_05_JohannesSascha_Smoking.pptx
@@ -369,7 +369,7 @@
             <a:fld id="{AA592FF2-A4BD-4E98-AC76-A10007E04C10}" type="datetimeFigureOut">
               <a:rPr lang="en-US" smtClean="0"/>
               <a:pPr/>
-              <a:t>12/3/2019</a:t>
+              <a:t>12/5/2019</a:t>
             </a:fld>
             <a:endParaRPr lang="en-US" dirty="0"/>
           </a:p>
@@ -1226,7 +1226,7 @@
             <a:fld id="{AA592FF2-A4BD-4E98-AC76-A10007E04C10}" type="datetimeFigureOut">
               <a:rPr lang="en-US" smtClean="0"/>
               <a:pPr/>
-              <a:t>12/3/2019</a:t>
+              <a:t>12/5/2019</a:t>
             </a:fld>
             <a:endParaRPr lang="en-US" dirty="0"/>
           </a:p>
@@ -16290,7 +16290,7 @@
                   <a:schemeClr val="tx1"/>
                 </a:solidFill>
               </a:rPr>
-              <a:t>stack</a:t>
+              <a:t>pivot</a:t>
             </a:r>
             <a:endParaRPr lang="de-DE" sz="1200" dirty="0">
               <a:solidFill>
@@ -16368,7 +16368,7 @@
                   <a:schemeClr val="tx1"/>
                 </a:solidFill>
               </a:rPr>
-              <a:t>pivot</a:t>
+              <a:t>stack</a:t>
             </a:r>
             <a:endParaRPr lang="de-DE" sz="1200" b="1" dirty="0">
               <a:solidFill>
